--- a/classrooms/week 05/Methods2-week5.pptx
+++ b/classrooms/week 05/Methods2-week5.pptx
@@ -1286,7 +1286,7 @@
                 </a:solidFill>
                 <a:latin typeface="+mn-lt"/>
               </a:rPr>
-              <a:t>8 February 2023</a:t>
+              <a:t>8 March 2023</a:t>
             </a:r>
           </a:p>
         </p:txBody>
@@ -4885,7 +4885,7 @@
                 </a:solidFill>
                 <a:latin typeface="+mn-lt"/>
               </a:rPr>
-              <a:t>8 February 2023</a:t>
+              <a:t>8 March 2023</a:t>
             </a:r>
           </a:p>
         </p:txBody>
@@ -5837,7 +5837,7 @@
                 </a:solidFill>
                 <a:latin typeface="+mn-lt"/>
               </a:rPr>
-              <a:t>8 February 2023</a:t>
+              <a:t>8 March 2023</a:t>
             </a:r>
           </a:p>
         </p:txBody>
@@ -8190,7 +8190,7 @@
               <a:rPr lang="en-GB" noProof="0" dirty="0"/>
               <a:t>Click to edit Master text styles</a:t>
             </a:r>
-            <a:endParaRPr lang="en-GB"/>
+            <a:endParaRPr lang="en-GB" dirty="0"/>
           </a:p>
           <a:p>
             <a:pPr lvl="1"/>
@@ -8198,7 +8198,7 @@
               <a:rPr lang="en-GB" noProof="0" dirty="0"/>
               <a:t>Second level</a:t>
             </a:r>
-            <a:endParaRPr lang="en-GB"/>
+            <a:endParaRPr lang="en-GB" dirty="0"/>
           </a:p>
           <a:p>
             <a:pPr lvl="2"/>
@@ -8206,7 +8206,7 @@
               <a:rPr lang="en-GB" noProof="0" dirty="0"/>
               <a:t>Third level</a:t>
             </a:r>
-            <a:endParaRPr lang="en-GB"/>
+            <a:endParaRPr lang="en-GB" dirty="0"/>
           </a:p>
           <a:p>
             <a:pPr lvl="3"/>
@@ -8214,7 +8214,7 @@
               <a:rPr lang="en-GB" noProof="0" dirty="0"/>
               <a:t>Fourth level</a:t>
             </a:r>
-            <a:endParaRPr lang="en-GB"/>
+            <a:endParaRPr lang="en-GB" dirty="0"/>
           </a:p>
           <a:p>
             <a:pPr lvl="4"/>
@@ -8222,7 +8222,7 @@
               <a:rPr lang="en-GB" noProof="0" dirty="0"/>
               <a:t>Fifth level</a:t>
             </a:r>
-            <a:endParaRPr lang="en-GB"/>
+            <a:endParaRPr lang="en-GB" dirty="0"/>
           </a:p>
           <a:p>
             <a:pPr lvl="5"/>
@@ -8230,7 +8230,7 @@
               <a:rPr lang="en-GB" noProof="0" dirty="0"/>
               <a:t>6 level</a:t>
             </a:r>
-            <a:endParaRPr lang="en-GB"/>
+            <a:endParaRPr lang="en-GB" dirty="0"/>
           </a:p>
           <a:p>
             <a:pPr lvl="6"/>
@@ -8238,7 +8238,7 @@
               <a:rPr lang="en-GB" noProof="0" dirty="0"/>
               <a:t>7 level</a:t>
             </a:r>
-            <a:endParaRPr lang="en-GB"/>
+            <a:endParaRPr lang="en-GB" dirty="0"/>
           </a:p>
           <a:p>
             <a:pPr lvl="7"/>
@@ -8246,7 +8246,7 @@
               <a:rPr lang="en-GB" noProof="0" dirty="0"/>
               <a:t>8 level</a:t>
             </a:r>
-            <a:endParaRPr lang="en-GB"/>
+            <a:endParaRPr lang="en-GB" dirty="0"/>
           </a:p>
           <a:p>
             <a:pPr lvl="8"/>
@@ -8254,7 +8254,7 @@
               <a:rPr lang="en-GB" noProof="0" dirty="0"/>
               <a:t>9 level</a:t>
             </a:r>
-            <a:endParaRPr lang="en-GB"/>
+            <a:endParaRPr lang="en-GB" dirty="0"/>
           </a:p>
         </p:txBody>
       </p:sp>
@@ -8490,7 +8490,7 @@
                 </a:solidFill>
                 <a:latin typeface="+mn-lt"/>
               </a:rPr>
-              <a:t>8 February 2023</a:t>
+              <a:t>8 March 2023</a:t>
             </a:r>
           </a:p>
         </p:txBody>
@@ -10318,6 +10318,13 @@
             <a:r>
               <a:rPr lang="en-GB" dirty="0"/>
               <a:t>Linear algebra basics: vectors, matrices, norms, transposition</a:t>
+            </a:r>
+          </a:p>
+          <a:p>
+            <a:pPr lvl="1"/>
+            <a:r>
+              <a:rPr lang="en-GB" dirty="0"/>
+              <a:t>Recap notation and some properties</a:t>
             </a:r>
           </a:p>
           <a:p>

--- a/classrooms/week 05/Methods2-week5.pptx
+++ b/classrooms/week 05/Methods2-week5.pptx
@@ -9908,14 +9908,24 @@
           <a:p>
             <a:r>
               <a:rPr lang="da-DK" dirty="0"/>
+              <a:t>3.10</a:t>
+            </a:r>
+          </a:p>
+          <a:p>
+            <a:r>
+              <a:rPr lang="da-DK" dirty="0"/>
               <a:t>3.7</a:t>
             </a:r>
           </a:p>
           <a:p>
-            <a:r>
-              <a:rPr lang="da-DK" dirty="0"/>
-              <a:t>3.10</a:t>
-            </a:r>
+            <a:pPr>
+              <a:buNone/>
+            </a:pPr>
+            <a:r>
+              <a:rPr lang="da-DK"/>
+              <a:t>3.11</a:t>
+            </a:r>
+            <a:endParaRPr lang="da-DK" dirty="0"/>
           </a:p>
           <a:p>
             <a:r>
